--- a/brfss_dashboard_cwang.pptx
+++ b/brfss_dashboard_cwang.pptx
@@ -5,7 +5,7 @@
     <p:sldMasterId id="2147483750" r:id="rId1"/>
   </p:sldMasterIdLst>
   <p:notesMasterIdLst>
-    <p:notesMasterId r:id="rId12"/>
+    <p:notesMasterId r:id="rId13"/>
   </p:notesMasterIdLst>
   <p:sldIdLst>
     <p:sldId id="256" r:id="rId2"/>
@@ -13,11 +13,12 @@
     <p:sldId id="258" r:id="rId4"/>
     <p:sldId id="259" r:id="rId5"/>
     <p:sldId id="260" r:id="rId6"/>
-    <p:sldId id="261" r:id="rId7"/>
-    <p:sldId id="262" r:id="rId8"/>
-    <p:sldId id="263" r:id="rId9"/>
-    <p:sldId id="264" r:id="rId10"/>
-    <p:sldId id="265" r:id="rId11"/>
+    <p:sldId id="266" r:id="rId7"/>
+    <p:sldId id="261" r:id="rId8"/>
+    <p:sldId id="262" r:id="rId9"/>
+    <p:sldId id="263" r:id="rId10"/>
+    <p:sldId id="264" r:id="rId11"/>
+    <p:sldId id="265" r:id="rId12"/>
   </p:sldIdLst>
   <p:sldSz cx="12192000" cy="6858000"/>
   <p:notesSz cx="6858000" cy="9144000"/>
@@ -4003,6 +4004,121 @@
           <p:cNvPr id="2" name="Title 1">
             <a:extLst>
               <a:ext uri="{FF2B5EF4-FFF2-40B4-BE49-F238E27FC236}">
+                <a16:creationId xmlns:a16="http://schemas.microsoft.com/office/drawing/2014/main" id="{11AFC432-1E0A-22C4-B99C-32ABA8D0A02A}"/>
+              </a:ext>
+            </a:extLst>
+          </p:cNvPr>
+          <p:cNvSpPr>
+            <a:spLocks noGrp="1"/>
+          </p:cNvSpPr>
+          <p:nvPr>
+            <p:ph type="title"/>
+          </p:nvPr>
+        </p:nvSpPr>
+        <p:spPr/>
+        <p:txBody>
+          <a:bodyPr/>
+          <a:lstStyle/>
+          <a:p>
+            <a:r>
+              <a:rPr lang="en-US" dirty="0"/>
+              <a:t>Timeline</a:t>
+            </a:r>
+          </a:p>
+        </p:txBody>
+      </p:sp>
+      <p:sp>
+        <p:nvSpPr>
+          <p:cNvPr id="3" name="Content Placeholder 2">
+            <a:extLst>
+              <a:ext uri="{FF2B5EF4-FFF2-40B4-BE49-F238E27FC236}">
+                <a16:creationId xmlns:a16="http://schemas.microsoft.com/office/drawing/2014/main" id="{7180FBF3-DA26-4590-14CB-6E67F36859CE}"/>
+              </a:ext>
+            </a:extLst>
+          </p:cNvPr>
+          <p:cNvSpPr>
+            <a:spLocks noGrp="1"/>
+          </p:cNvSpPr>
+          <p:nvPr>
+            <p:ph idx="1"/>
+          </p:nvPr>
+        </p:nvSpPr>
+        <p:spPr/>
+        <p:txBody>
+          <a:bodyPr/>
+          <a:lstStyle/>
+          <a:p>
+            <a:r>
+              <a:rPr lang="en-US" dirty="0"/>
+              <a:t>0.5 day for planning, explore the data handbook</a:t>
+            </a:r>
+          </a:p>
+          <a:p>
+            <a:r>
+              <a:rPr lang="en-US" dirty="0"/>
+              <a:t>1.5 day for building backend</a:t>
+            </a:r>
+          </a:p>
+          <a:p>
+            <a:pPr lvl="1"/>
+            <a:r>
+              <a:rPr lang="en-US" dirty="0"/>
+              <a:t>Spend most of the time for getting payloads, build queries</a:t>
+            </a:r>
+          </a:p>
+          <a:p>
+            <a:r>
+              <a:rPr lang="en-US" dirty="0"/>
+              <a:t>1.5 day for building frontend</a:t>
+            </a:r>
+          </a:p>
+          <a:p>
+            <a:pPr lvl="1"/>
+            <a:r>
+              <a:rPr lang="en-US" dirty="0"/>
+              <a:t>Spend most of the time transform data for charts</a:t>
+            </a:r>
+          </a:p>
+          <a:p>
+            <a:endParaRPr lang="en-US" dirty="0"/>
+          </a:p>
+        </p:txBody>
+      </p:sp>
+    </p:spTree>
+    <p:extLst>
+      <p:ext uri="{BB962C8B-B14F-4D97-AF65-F5344CB8AC3E}">
+        <p14:creationId xmlns:p14="http://schemas.microsoft.com/office/powerpoint/2010/main" val="3555570771"/>
+      </p:ext>
+    </p:extLst>
+  </p:cSld>
+  <p:clrMapOvr>
+    <a:masterClrMapping/>
+  </p:clrMapOvr>
+</p:sld>
+</file>
+
+<file path=ppt/slides/slide11.xml><?xml version="1.0" encoding="utf-8"?>
+<p:sld xmlns:a="http://schemas.openxmlformats.org/drawingml/2006/main" xmlns:r="http://schemas.openxmlformats.org/officeDocument/2006/relationships" xmlns:p="http://schemas.openxmlformats.org/presentationml/2006/main">
+  <p:cSld>
+    <p:spTree>
+      <p:nvGrpSpPr>
+        <p:cNvPr id="1" name=""/>
+        <p:cNvGrpSpPr/>
+        <p:nvPr/>
+      </p:nvGrpSpPr>
+      <p:grpSpPr>
+        <a:xfrm>
+          <a:off x="0" y="0"/>
+          <a:ext cx="0" cy="0"/>
+          <a:chOff x="0" y="0"/>
+          <a:chExt cx="0" cy="0"/>
+        </a:xfrm>
+      </p:grpSpPr>
+      <p:sp>
+        <p:nvSpPr>
+          <p:cNvPr id="2" name="Title 1">
+            <a:extLst>
+              <a:ext uri="{FF2B5EF4-FFF2-40B4-BE49-F238E27FC236}">
                 <a16:creationId xmlns:a16="http://schemas.microsoft.com/office/drawing/2014/main" id="{F82BB94F-365B-43CE-A5D6-82B0B2C23552}"/>
               </a:ext>
             </a:extLst>
@@ -5278,7 +5394,7 @@
           <p:cNvPr id="2" name="Title 1">
             <a:extLst>
               <a:ext uri="{FF2B5EF4-FFF2-40B4-BE49-F238E27FC236}">
-                <a16:creationId xmlns:a16="http://schemas.microsoft.com/office/drawing/2014/main" id="{FDA5C266-7FE1-FEE9-F15B-48BAB08B9C4F}"/>
+                <a16:creationId xmlns:a16="http://schemas.microsoft.com/office/drawing/2014/main" id="{A898AEB6-D0A5-BE4A-6E62-5B135A0C9482}"/>
               </a:ext>
             </a:extLst>
           </p:cNvPr>
@@ -5296,105 +5412,71 @@
           <a:p>
             <a:r>
               <a:rPr lang="en-US" dirty="0"/>
-              <a:t>Backend</a:t>
-            </a:r>
-          </a:p>
-        </p:txBody>
-      </p:sp>
-      <p:sp>
-        <p:nvSpPr>
-          <p:cNvPr id="3" name="Content Placeholder 2">
-            <a:extLst>
-              <a:ext uri="{FF2B5EF4-FFF2-40B4-BE49-F238E27FC236}">
-                <a16:creationId xmlns:a16="http://schemas.microsoft.com/office/drawing/2014/main" id="{BB7638B3-240E-AE08-BF6A-6E1B4C9A2DFA}"/>
-              </a:ext>
-            </a:extLst>
-          </p:cNvPr>
-          <p:cNvSpPr>
-            <a:spLocks noGrp="1"/>
-          </p:cNvSpPr>
+              <a:t>Example Analysis</a:t>
+            </a:r>
+          </a:p>
+        </p:txBody>
+      </p:sp>
+      <p:pic>
+        <p:nvPicPr>
+          <p:cNvPr id="5" name="Content Placeholder 4" descr="A map of the united states&#10;&#10;Description automatically generated">
+            <a:extLst>
+              <a:ext uri="{FF2B5EF4-FFF2-40B4-BE49-F238E27FC236}">
+                <a16:creationId xmlns:a16="http://schemas.microsoft.com/office/drawing/2014/main" id="{BC5FAD89-0A42-8F41-02EC-AF524E917B5F}"/>
+              </a:ext>
+            </a:extLst>
+          </p:cNvPr>
+          <p:cNvPicPr>
+            <a:picLocks noGrp="1" noChangeAspect="1"/>
+          </p:cNvPicPr>
           <p:nvPr>
             <p:ph idx="1"/>
           </p:nvPr>
-        </p:nvSpPr>
-        <p:spPr/>
-        <p:txBody>
-          <a:bodyPr>
-            <a:normAutofit/>
+        </p:nvPicPr>
+        <p:blipFill>
+          <a:blip r:embed="rId2"/>
+          <a:stretch>
+            <a:fillRect/>
+          </a:stretch>
+        </p:blipFill>
+        <p:spPr>
+          <a:xfrm>
+            <a:off x="248311" y="1378716"/>
+            <a:ext cx="8930196" cy="4351338"/>
+          </a:xfrm>
+        </p:spPr>
+      </p:pic>
+      <p:sp>
+        <p:nvSpPr>
+          <p:cNvPr id="6" name="TextBox 5">
+            <a:extLst>
+              <a:ext uri="{FF2B5EF4-FFF2-40B4-BE49-F238E27FC236}">
+                <a16:creationId xmlns:a16="http://schemas.microsoft.com/office/drawing/2014/main" id="{007EFFF8-D1DF-CE95-7983-9F70C5908615}"/>
+              </a:ext>
+            </a:extLst>
+          </p:cNvPr>
+          <p:cNvSpPr txBox="1"/>
+          <p:nvPr/>
+        </p:nvSpPr>
+        <p:spPr>
+          <a:xfrm>
+            <a:off x="7637930" y="3231219"/>
+            <a:ext cx="3284668" cy="646331"/>
+          </a:xfrm>
+          <a:prstGeom prst="rect">
+            <a:avLst/>
+          </a:prstGeom>
+          <a:noFill/>
+        </p:spPr>
+        <p:txBody>
+          <a:bodyPr wrap="square" rtlCol="0">
+            <a:spAutoFit/>
           </a:bodyPr>
           <a:lstStyle/>
           <a:p>
             <a:r>
-              <a:rPr lang="en-US" dirty="0"/>
-              <a:t>Google cloud function + </a:t>
-            </a:r>
-            <a:r>
-              <a:rPr lang="en-US" dirty="0" err="1"/>
-              <a:t>Bigquery</a:t>
-            </a:r>
-            <a:r>
-              <a:rPr lang="en-US" dirty="0"/>
-              <a:t>:</a:t>
-            </a:r>
-          </a:p>
-          <a:p>
-            <a:pPr lvl="1"/>
-            <a:r>
-              <a:rPr lang="en-US" dirty="0" err="1"/>
-              <a:t>Pros&amp;Cons</a:t>
-            </a:r>
-            <a:r>
-              <a:rPr lang="en-US" dirty="0"/>
-              <a:t>:</a:t>
-            </a:r>
-          </a:p>
-          <a:p>
-            <a:pPr lvl="2"/>
-            <a:r>
-              <a:rPr lang="en-US" dirty="0"/>
-              <a:t>Easy to deploy</a:t>
-            </a:r>
-          </a:p>
-          <a:p>
-            <a:pPr lvl="2"/>
-            <a:r>
-              <a:rPr lang="en-US" dirty="0"/>
-              <a:t>Easy to scale</a:t>
-            </a:r>
-          </a:p>
-          <a:p>
-            <a:pPr lvl="2"/>
-            <a:r>
-              <a:rPr lang="en-US" dirty="0"/>
-              <a:t>For analytic purpose. We should use relational DB when we need it performant</a:t>
-            </a:r>
-          </a:p>
-          <a:p>
-            <a:pPr lvl="1"/>
-            <a:r>
-              <a:rPr lang="en-US" dirty="0"/>
-              <a:t>Steps:</a:t>
-            </a:r>
-          </a:p>
-          <a:p>
-            <a:pPr lvl="2"/>
-            <a:r>
-              <a:rPr lang="en-US" dirty="0"/>
-              <a:t>IAM management</a:t>
-            </a:r>
-          </a:p>
-          <a:p>
-            <a:pPr lvl="2"/>
-            <a:r>
-              <a:rPr lang="en-US" dirty="0"/>
-              <a:t>Pour csv to BQ table in the console</a:t>
-            </a:r>
-          </a:p>
-          <a:p>
-            <a:pPr lvl="2"/>
-            <a:r>
-              <a:rPr lang="en-US" dirty="0"/>
-              <a:t>Create function instance</a:t>
+              <a:rPr lang="en-US" b="1" dirty="0"/>
+              <a:t>WV has highest average smoking rate from 2011-2015, </a:t>
             </a:r>
           </a:p>
         </p:txBody>
@@ -5402,7 +5484,7 @@
     </p:spTree>
     <p:extLst>
       <p:ext uri="{BB962C8B-B14F-4D97-AF65-F5344CB8AC3E}">
-        <p14:creationId xmlns:p14="http://schemas.microsoft.com/office/powerpoint/2010/main" val="2285395316"/>
+        <p14:creationId xmlns:p14="http://schemas.microsoft.com/office/powerpoint/2010/main" val="2538601525"/>
       </p:ext>
     </p:extLst>
   </p:cSld>
@@ -5434,7 +5516,7 @@
           <p:cNvPr id="2" name="Title 1">
             <a:extLst>
               <a:ext uri="{FF2B5EF4-FFF2-40B4-BE49-F238E27FC236}">
-                <a16:creationId xmlns:a16="http://schemas.microsoft.com/office/drawing/2014/main" id="{B22FFC5D-E1DA-4976-6C3C-C0628D3932ED}"/>
+                <a16:creationId xmlns:a16="http://schemas.microsoft.com/office/drawing/2014/main" id="{FDA5C266-7FE1-FEE9-F15B-48BAB08B9C4F}"/>
               </a:ext>
             </a:extLst>
           </p:cNvPr>
@@ -5452,7 +5534,7 @@
           <a:p>
             <a:r>
               <a:rPr lang="en-US" dirty="0"/>
-              <a:t>Backend - Issues</a:t>
+              <a:t>Backend</a:t>
             </a:r>
           </a:p>
         </p:txBody>
@@ -5462,7 +5544,7 @@
           <p:cNvPr id="3" name="Content Placeholder 2">
             <a:extLst>
               <a:ext uri="{FF2B5EF4-FFF2-40B4-BE49-F238E27FC236}">
-                <a16:creationId xmlns:a16="http://schemas.microsoft.com/office/drawing/2014/main" id="{5D3705F2-DBF8-7D16-6113-CC8ED8431125}"/>
+                <a16:creationId xmlns:a16="http://schemas.microsoft.com/office/drawing/2014/main" id="{BB7638B3-240E-AE08-BF6A-6E1B4C9A2DFA}"/>
               </a:ext>
             </a:extLst>
           </p:cNvPr>
@@ -5475,70 +5557,90 @@
         </p:nvSpPr>
         <p:spPr/>
         <p:txBody>
-          <a:bodyPr/>
-          <a:lstStyle/>
-          <a:p>
-            <a:r>
-              <a:rPr lang="en-US" dirty="0"/>
-              <a:t>Not performant?</a:t>
+          <a:bodyPr>
+            <a:normAutofit/>
+          </a:bodyPr>
+          <a:lstStyle/>
+          <a:p>
+            <a:r>
+              <a:rPr lang="en-US" dirty="0"/>
+              <a:t>Google cloud function + </a:t>
+            </a:r>
+            <a:r>
+              <a:rPr lang="en-US" dirty="0" err="1"/>
+              <a:t>Bigquery</a:t>
+            </a:r>
+            <a:r>
+              <a:rPr lang="en-US" dirty="0"/>
+              <a:t>:</a:t>
             </a:r>
           </a:p>
           <a:p>
             <a:pPr lvl="1"/>
             <a:r>
-              <a:rPr lang="en-US" dirty="0"/>
-              <a:t>Python cache -&gt; no improvement</a:t>
+              <a:rPr lang="en-US" dirty="0" err="1"/>
+              <a:t>Pros&amp;Cons</a:t>
+            </a:r>
+            <a:r>
+              <a:rPr lang="en-US" dirty="0"/>
+              <a:t>:</a:t>
+            </a:r>
+          </a:p>
+          <a:p>
+            <a:pPr lvl="2"/>
+            <a:r>
+              <a:rPr lang="en-US" dirty="0"/>
+              <a:t>Easy to deploy</a:t>
+            </a:r>
+          </a:p>
+          <a:p>
+            <a:pPr lvl="2"/>
+            <a:r>
+              <a:rPr lang="en-US" dirty="0"/>
+              <a:t>Easy to scale</a:t>
+            </a:r>
+          </a:p>
+          <a:p>
+            <a:pPr lvl="2"/>
+            <a:r>
+              <a:rPr lang="en-US" dirty="0"/>
+              <a:t>For analytic purpose. We should use relational DB when we need it performant</a:t>
             </a:r>
           </a:p>
           <a:p>
             <a:pPr lvl="1"/>
             <a:r>
               <a:rPr lang="en-US" dirty="0"/>
-              <a:t>Create View/temp table -&gt; minor improvement</a:t>
-            </a:r>
-          </a:p>
-          <a:p>
-            <a:pPr lvl="1"/>
-            <a:r>
-              <a:rPr lang="en-US" dirty="0"/>
-              <a:t>Bottle neck: </a:t>
-            </a:r>
-            <a:r>
-              <a:rPr lang="en-US" dirty="0" err="1"/>
-              <a:t>bigquery</a:t>
-            </a:r>
-            <a:r>
-              <a:rPr lang="en-US" dirty="0"/>
-              <a:t>, need to use relational database</a:t>
-            </a:r>
-          </a:p>
-          <a:p>
-            <a:pPr lvl="1"/>
-            <a:endParaRPr lang="en-US" dirty="0"/>
-          </a:p>
-          <a:p>
-            <a:r>
-              <a:rPr lang="en-US" dirty="0"/>
-              <a:t>CORS</a:t>
-            </a:r>
-          </a:p>
-          <a:p>
-            <a:pPr lvl="1"/>
-            <a:r>
-              <a:rPr lang="en-US" dirty="0"/>
-              <a:t>Add header</a:t>
-            </a:r>
-          </a:p>
-          <a:p>
-            <a:pPr lvl="1"/>
-            <a:endParaRPr lang="en-US" dirty="0"/>
+              <a:t>Steps:</a:t>
+            </a:r>
+          </a:p>
+          <a:p>
+            <a:pPr lvl="2"/>
+            <a:r>
+              <a:rPr lang="en-US" dirty="0"/>
+              <a:t>IAM management</a:t>
+            </a:r>
+          </a:p>
+          <a:p>
+            <a:pPr lvl="2"/>
+            <a:r>
+              <a:rPr lang="en-US" dirty="0"/>
+              <a:t>Pour csv to BQ table in the console</a:t>
+            </a:r>
+          </a:p>
+          <a:p>
+            <a:pPr lvl="2"/>
+            <a:r>
+              <a:rPr lang="en-US" dirty="0"/>
+              <a:t>Create function instance</a:t>
+            </a:r>
           </a:p>
         </p:txBody>
       </p:sp>
     </p:spTree>
     <p:extLst>
       <p:ext uri="{BB962C8B-B14F-4D97-AF65-F5344CB8AC3E}">
-        <p14:creationId xmlns:p14="http://schemas.microsoft.com/office/powerpoint/2010/main" val="3123090612"/>
+        <p14:creationId xmlns:p14="http://schemas.microsoft.com/office/powerpoint/2010/main" val="2285395316"/>
       </p:ext>
     </p:extLst>
   </p:cSld>
@@ -5570,7 +5672,7 @@
           <p:cNvPr id="2" name="Title 1">
             <a:extLst>
               <a:ext uri="{FF2B5EF4-FFF2-40B4-BE49-F238E27FC236}">
-                <a16:creationId xmlns:a16="http://schemas.microsoft.com/office/drawing/2014/main" id="{F4AA5E23-85E7-015E-C3CD-2390BA3C6331}"/>
+                <a16:creationId xmlns:a16="http://schemas.microsoft.com/office/drawing/2014/main" id="{B22FFC5D-E1DA-4976-6C3C-C0628D3932ED}"/>
               </a:ext>
             </a:extLst>
           </p:cNvPr>
@@ -5588,7 +5690,7 @@
           <a:p>
             <a:r>
               <a:rPr lang="en-US" dirty="0"/>
-              <a:t>Frontend</a:t>
+              <a:t>Backend - Issues</a:t>
             </a:r>
           </a:p>
         </p:txBody>
@@ -5598,7 +5700,7 @@
           <p:cNvPr id="3" name="Content Placeholder 2">
             <a:extLst>
               <a:ext uri="{FF2B5EF4-FFF2-40B4-BE49-F238E27FC236}">
-                <a16:creationId xmlns:a16="http://schemas.microsoft.com/office/drawing/2014/main" id="{40A72BD3-E42A-59F8-9E16-B6886774141E}"/>
+                <a16:creationId xmlns:a16="http://schemas.microsoft.com/office/drawing/2014/main" id="{5D3705F2-DBF8-7D16-6113-CC8ED8431125}"/>
               </a:ext>
             </a:extLst>
           </p:cNvPr>
@@ -5611,89 +5713,58 @@
         </p:nvSpPr>
         <p:spPr/>
         <p:txBody>
-          <a:bodyPr>
-            <a:normAutofit fontScale="92500" lnSpcReduction="10000"/>
-          </a:bodyPr>
-          <a:lstStyle/>
-          <a:p>
-            <a:r>
-              <a:rPr lang="en-US" dirty="0"/>
-              <a:t>Netlify</a:t>
+          <a:bodyPr/>
+          <a:lstStyle/>
+          <a:p>
+            <a:r>
+              <a:rPr lang="en-US" dirty="0"/>
+              <a:t>Not performant?</a:t>
             </a:r>
           </a:p>
           <a:p>
             <a:pPr lvl="1"/>
             <a:r>
               <a:rPr lang="en-US" dirty="0"/>
-              <a:t>Deploy when new commit</a:t>
-            </a:r>
-          </a:p>
-          <a:p>
-            <a:r>
-              <a:rPr lang="en-US" dirty="0"/>
-              <a:t>React</a:t>
-            </a:r>
-          </a:p>
-          <a:p>
-            <a:r>
-              <a:rPr lang="en-US" dirty="0"/>
-              <a:t>Semantic UI</a:t>
+              <a:t>Python cache -&gt; no improvement</a:t>
             </a:r>
           </a:p>
           <a:p>
             <a:pPr lvl="1"/>
             <a:r>
               <a:rPr lang="en-US" dirty="0"/>
-              <a:t>Easy to use, fast development</a:t>
-            </a:r>
-          </a:p>
-          <a:p>
+              <a:t>Create View/temp table -&gt; minor improvement</a:t>
+            </a:r>
+          </a:p>
+          <a:p>
+            <a:pPr lvl="1"/>
+            <a:r>
+              <a:rPr lang="en-US" dirty="0"/>
+              <a:t>Bottle neck: </a:t>
+            </a:r>
             <a:r>
               <a:rPr lang="en-US" dirty="0" err="1"/>
-              <a:t>Nivo</a:t>
-            </a:r>
-            <a:r>
-              <a:rPr lang="en-US" dirty="0"/>
-              <a:t> Chart</a:t>
+              <a:t>bigquery</a:t>
+            </a:r>
+            <a:r>
+              <a:rPr lang="en-US" dirty="0"/>
+              <a:t>, need to use relational database</a:t>
             </a:r>
           </a:p>
           <a:p>
             <a:pPr lvl="1"/>
-            <a:r>
-              <a:rPr lang="en-US" dirty="0"/>
-              <a:t>Looks cool!</a:t>
-            </a:r>
-          </a:p>
-          <a:p>
-            <a:r>
-              <a:rPr lang="en-US" dirty="0" err="1"/>
-              <a:t>Axios</a:t>
-            </a:r>
             <a:endParaRPr lang="en-US" dirty="0"/>
           </a:p>
           <a:p>
+            <a:r>
+              <a:rPr lang="en-US" dirty="0"/>
+              <a:t>CORS</a:t>
+            </a:r>
+          </a:p>
+          <a:p>
             <a:pPr lvl="1"/>
             <a:r>
               <a:rPr lang="en-US" dirty="0"/>
-              <a:t>POST with payload, set timeout</a:t>
-            </a:r>
-          </a:p>
-          <a:p>
-            <a:r>
-              <a:rPr lang="en-US" dirty="0"/>
-              <a:t>@</a:t>
-            </a:r>
-            <a:r>
-              <a:rPr lang="en-US" dirty="0" err="1"/>
-              <a:t>Mixins</a:t>
-            </a:r>
-            <a:endParaRPr lang="en-US" dirty="0"/>
-          </a:p>
-          <a:p>
-            <a:pPr lvl="1"/>
-            <a:r>
-              <a:rPr lang="en-US" dirty="0"/>
-              <a:t>for responsiveness</a:t>
+              <a:t>Add header</a:t>
             </a:r>
           </a:p>
           <a:p>
@@ -5705,7 +5776,7 @@
     </p:spTree>
     <p:extLst>
       <p:ext uri="{BB962C8B-B14F-4D97-AF65-F5344CB8AC3E}">
-        <p14:creationId xmlns:p14="http://schemas.microsoft.com/office/powerpoint/2010/main" val="2483964391"/>
+        <p14:creationId xmlns:p14="http://schemas.microsoft.com/office/powerpoint/2010/main" val="3123090612"/>
       </p:ext>
     </p:extLst>
   </p:cSld>
@@ -5737,7 +5808,7 @@
           <p:cNvPr id="2" name="Title 1">
             <a:extLst>
               <a:ext uri="{FF2B5EF4-FFF2-40B4-BE49-F238E27FC236}">
-                <a16:creationId xmlns:a16="http://schemas.microsoft.com/office/drawing/2014/main" id="{11AFC432-1E0A-22C4-B99C-32ABA8D0A02A}"/>
+                <a16:creationId xmlns:a16="http://schemas.microsoft.com/office/drawing/2014/main" id="{F4AA5E23-85E7-015E-C3CD-2390BA3C6331}"/>
               </a:ext>
             </a:extLst>
           </p:cNvPr>
@@ -5755,7 +5826,7 @@
           <a:p>
             <a:r>
               <a:rPr lang="en-US" dirty="0"/>
-              <a:t>Timeline</a:t>
+              <a:t>Frontend</a:t>
             </a:r>
           </a:p>
         </p:txBody>
@@ -5765,7 +5836,7 @@
           <p:cNvPr id="3" name="Content Placeholder 2">
             <a:extLst>
               <a:ext uri="{FF2B5EF4-FFF2-40B4-BE49-F238E27FC236}">
-                <a16:creationId xmlns:a16="http://schemas.microsoft.com/office/drawing/2014/main" id="{7180FBF3-DA26-4590-14CB-6E67F36859CE}"/>
+                <a16:creationId xmlns:a16="http://schemas.microsoft.com/office/drawing/2014/main" id="{40A72BD3-E42A-59F8-9E16-B6886774141E}"/>
               </a:ext>
             </a:extLst>
           </p:cNvPr>
@@ -5778,41 +5849,93 @@
         </p:nvSpPr>
         <p:spPr/>
         <p:txBody>
-          <a:bodyPr/>
-          <a:lstStyle/>
-          <a:p>
-            <a:r>
-              <a:rPr lang="en-US" dirty="0"/>
-              <a:t>0.5 day for planning, explore the data handbook</a:t>
-            </a:r>
-          </a:p>
-          <a:p>
-            <a:r>
-              <a:rPr lang="en-US" dirty="0"/>
-              <a:t>1.5 day for building backend</a:t>
+          <a:bodyPr>
+            <a:normAutofit fontScale="92500" lnSpcReduction="10000"/>
+          </a:bodyPr>
+          <a:lstStyle/>
+          <a:p>
+            <a:r>
+              <a:rPr lang="en-US" dirty="0"/>
+              <a:t>Netlify</a:t>
             </a:r>
           </a:p>
           <a:p>
             <a:pPr lvl="1"/>
             <a:r>
               <a:rPr lang="en-US" dirty="0"/>
-              <a:t>Spend most of the time for getting payloads, build queries</a:t>
-            </a:r>
-          </a:p>
-          <a:p>
-            <a:r>
-              <a:rPr lang="en-US" dirty="0"/>
-              <a:t>1.5 day for building frontend</a:t>
+              <a:t>Deploy when new commit</a:t>
+            </a:r>
+          </a:p>
+          <a:p>
+            <a:r>
+              <a:rPr lang="en-US" dirty="0"/>
+              <a:t>React</a:t>
+            </a:r>
+          </a:p>
+          <a:p>
+            <a:r>
+              <a:rPr lang="en-US" dirty="0"/>
+              <a:t>Semantic UI</a:t>
             </a:r>
           </a:p>
           <a:p>
             <a:pPr lvl="1"/>
             <a:r>
               <a:rPr lang="en-US" dirty="0"/>
-              <a:t>Spend most of the time transform data for charts</a:t>
-            </a:r>
-          </a:p>
-          <a:p>
+              <a:t>Easy to use, fast development</a:t>
+            </a:r>
+          </a:p>
+          <a:p>
+            <a:r>
+              <a:rPr lang="en-US" dirty="0" err="1"/>
+              <a:t>Nivo</a:t>
+            </a:r>
+            <a:r>
+              <a:rPr lang="en-US" dirty="0"/>
+              <a:t> Chart</a:t>
+            </a:r>
+          </a:p>
+          <a:p>
+            <a:pPr lvl="1"/>
+            <a:r>
+              <a:rPr lang="en-US" dirty="0"/>
+              <a:t>Looks cool!</a:t>
+            </a:r>
+          </a:p>
+          <a:p>
+            <a:r>
+              <a:rPr lang="en-US" dirty="0" err="1"/>
+              <a:t>Axios</a:t>
+            </a:r>
+            <a:endParaRPr lang="en-US" dirty="0"/>
+          </a:p>
+          <a:p>
+            <a:pPr lvl="1"/>
+            <a:r>
+              <a:rPr lang="en-US" dirty="0"/>
+              <a:t>POST with payload, set timeout</a:t>
+            </a:r>
+          </a:p>
+          <a:p>
+            <a:r>
+              <a:rPr lang="en-US" dirty="0"/>
+              <a:t>@</a:t>
+            </a:r>
+            <a:r>
+              <a:rPr lang="en-US" dirty="0" err="1"/>
+              <a:t>Mixins</a:t>
+            </a:r>
+            <a:endParaRPr lang="en-US" dirty="0"/>
+          </a:p>
+          <a:p>
+            <a:pPr lvl="1"/>
+            <a:r>
+              <a:rPr lang="en-US" dirty="0"/>
+              <a:t>for responsiveness</a:t>
+            </a:r>
+          </a:p>
+          <a:p>
+            <a:pPr lvl="1"/>
             <a:endParaRPr lang="en-US" dirty="0"/>
           </a:p>
         </p:txBody>
@@ -5820,7 +5943,7 @@
     </p:spTree>
     <p:extLst>
       <p:ext uri="{BB962C8B-B14F-4D97-AF65-F5344CB8AC3E}">
-        <p14:creationId xmlns:p14="http://schemas.microsoft.com/office/powerpoint/2010/main" val="3555570771"/>
+        <p14:creationId xmlns:p14="http://schemas.microsoft.com/office/powerpoint/2010/main" val="2483964391"/>
       </p:ext>
     </p:extLst>
   </p:cSld>
